--- a/man/figures/figures.pptx
+++ b/man/figures/figures.pptx
@@ -243,7 +243,7 @@
           <a:p>
             <a:fld id="{0087396F-59F5-478F-BD4D-42B8712F80A2}" type="datetimeFigureOut">
               <a:rPr lang="en-GB" smtClean="0"/>
-              <a:t>07/03/2022</a:t>
+              <a:t>12/07/2022</a:t>
             </a:fld>
             <a:endParaRPr lang="en-GB"/>
           </a:p>
@@ -413,7 +413,7 @@
           <a:p>
             <a:fld id="{0087396F-59F5-478F-BD4D-42B8712F80A2}" type="datetimeFigureOut">
               <a:rPr lang="en-GB" smtClean="0"/>
-              <a:t>07/03/2022</a:t>
+              <a:t>12/07/2022</a:t>
             </a:fld>
             <a:endParaRPr lang="en-GB"/>
           </a:p>
@@ -593,7 +593,7 @@
           <a:p>
             <a:fld id="{0087396F-59F5-478F-BD4D-42B8712F80A2}" type="datetimeFigureOut">
               <a:rPr lang="en-GB" smtClean="0"/>
-              <a:t>07/03/2022</a:t>
+              <a:t>12/07/2022</a:t>
             </a:fld>
             <a:endParaRPr lang="en-GB"/>
           </a:p>
@@ -763,7 +763,7 @@
           <a:p>
             <a:fld id="{0087396F-59F5-478F-BD4D-42B8712F80A2}" type="datetimeFigureOut">
               <a:rPr lang="en-GB" smtClean="0"/>
-              <a:t>07/03/2022</a:t>
+              <a:t>12/07/2022</a:t>
             </a:fld>
             <a:endParaRPr lang="en-GB"/>
           </a:p>
@@ -1007,7 +1007,7 @@
           <a:p>
             <a:fld id="{0087396F-59F5-478F-BD4D-42B8712F80A2}" type="datetimeFigureOut">
               <a:rPr lang="en-GB" smtClean="0"/>
-              <a:t>07/03/2022</a:t>
+              <a:t>12/07/2022</a:t>
             </a:fld>
             <a:endParaRPr lang="en-GB"/>
           </a:p>
@@ -1239,7 +1239,7 @@
           <a:p>
             <a:fld id="{0087396F-59F5-478F-BD4D-42B8712F80A2}" type="datetimeFigureOut">
               <a:rPr lang="en-GB" smtClean="0"/>
-              <a:t>07/03/2022</a:t>
+              <a:t>12/07/2022</a:t>
             </a:fld>
             <a:endParaRPr lang="en-GB"/>
           </a:p>
@@ -1606,7 +1606,7 @@
           <a:p>
             <a:fld id="{0087396F-59F5-478F-BD4D-42B8712F80A2}" type="datetimeFigureOut">
               <a:rPr lang="en-GB" smtClean="0"/>
-              <a:t>07/03/2022</a:t>
+              <a:t>12/07/2022</a:t>
             </a:fld>
             <a:endParaRPr lang="en-GB"/>
           </a:p>
@@ -1724,7 +1724,7 @@
           <a:p>
             <a:fld id="{0087396F-59F5-478F-BD4D-42B8712F80A2}" type="datetimeFigureOut">
               <a:rPr lang="en-GB" smtClean="0"/>
-              <a:t>07/03/2022</a:t>
+              <a:t>12/07/2022</a:t>
             </a:fld>
             <a:endParaRPr lang="en-GB"/>
           </a:p>
@@ -1819,7 +1819,7 @@
           <a:p>
             <a:fld id="{0087396F-59F5-478F-BD4D-42B8712F80A2}" type="datetimeFigureOut">
               <a:rPr lang="en-GB" smtClean="0"/>
-              <a:t>07/03/2022</a:t>
+              <a:t>12/07/2022</a:t>
             </a:fld>
             <a:endParaRPr lang="en-GB"/>
           </a:p>
@@ -2096,7 +2096,7 @@
           <a:p>
             <a:fld id="{0087396F-59F5-478F-BD4D-42B8712F80A2}" type="datetimeFigureOut">
               <a:rPr lang="en-GB" smtClean="0"/>
-              <a:t>07/03/2022</a:t>
+              <a:t>12/07/2022</a:t>
             </a:fld>
             <a:endParaRPr lang="en-GB"/>
           </a:p>
@@ -2353,7 +2353,7 @@
           <a:p>
             <a:fld id="{0087396F-59F5-478F-BD4D-42B8712F80A2}" type="datetimeFigureOut">
               <a:rPr lang="en-GB" smtClean="0"/>
-              <a:t>07/03/2022</a:t>
+              <a:t>12/07/2022</a:t>
             </a:fld>
             <a:endParaRPr lang="en-GB"/>
           </a:p>
@@ -2566,7 +2566,7 @@
           <a:p>
             <a:fld id="{0087396F-59F5-478F-BD4D-42B8712F80A2}" type="datetimeFigureOut">
               <a:rPr lang="en-GB" smtClean="0"/>
-              <a:t>07/03/2022</a:t>
+              <a:t>12/07/2022</a:t>
             </a:fld>
             <a:endParaRPr lang="en-GB"/>
           </a:p>
@@ -2973,446 +2973,6 @@
       </p:grpSpPr>
       <p:sp>
         <p:nvSpPr>
-          <p:cNvPr id="4" name="Rectangle 3">
-            <a:extLst>
-              <a:ext uri="{FF2B5EF4-FFF2-40B4-BE49-F238E27FC236}">
-                <a16:creationId xmlns:a16="http://schemas.microsoft.com/office/drawing/2014/main" id="{007ABF4B-3686-4D07-AE1F-7D9E059F4843}"/>
-              </a:ext>
-            </a:extLst>
-          </p:cNvPr>
-          <p:cNvSpPr/>
-          <p:nvPr/>
-        </p:nvSpPr>
-        <p:spPr>
-          <a:xfrm>
-            <a:off x="-26973" y="6495055"/>
-            <a:ext cx="4035840" cy="1794164"/>
-          </a:xfrm>
-          <a:prstGeom prst="rect">
-            <a:avLst/>
-          </a:prstGeom>
-          <a:noFill/>
-          <a:ln>
-            <a:noFill/>
-          </a:ln>
-        </p:spPr>
-        <p:style>
-          <a:lnRef idx="0">
-            <a:scrgbClr r="0" g="0" b="0"/>
-          </a:lnRef>
-          <a:fillRef idx="0">
-            <a:scrgbClr r="0" g="0" b="0"/>
-          </a:fillRef>
-          <a:effectRef idx="0">
-            <a:scrgbClr r="0" g="0" b="0"/>
-          </a:effectRef>
-          <a:fontRef idx="minor">
-            <a:schemeClr val="dk1"/>
-          </a:fontRef>
-        </p:style>
-        <p:txBody>
-          <a:bodyPr rtlCol="0" anchor="ctr"/>
-          <a:lstStyle/>
-          <a:p>
-            <a:pPr algn="ctr"/>
-            <a:r>
-              <a:rPr lang="fr-FR" sz="2800" b="1" dirty="0" err="1">
-                <a:solidFill>
-                  <a:srgbClr val="CD00B4"/>
-                </a:solidFill>
-                <a:latin typeface="Consolas" panose="020B0609020204030204" pitchFamily="49" charset="0"/>
-              </a:rPr>
-              <a:t>model_performance</a:t>
-            </a:r>
-            <a:r>
-              <a:rPr lang="fr-FR" sz="2800" b="1" dirty="0">
-                <a:solidFill>
-                  <a:srgbClr val="CD00B4"/>
-                </a:solidFill>
-                <a:latin typeface="Consolas" panose="020B0609020204030204" pitchFamily="49" charset="0"/>
-              </a:rPr>
-              <a:t>()</a:t>
-            </a:r>
-          </a:p>
-          <a:p>
-            <a:pPr marL="800100" lvl="1" indent="-342900">
-              <a:buFont typeface="Wingdings" panose="05000000000000000000" pitchFamily="2" charset="2"/>
-              <a:buChar char="ü"/>
-            </a:pPr>
-            <a:r>
-              <a:rPr lang="fr-FR" i="1" dirty="0">
-                <a:latin typeface="Century Gothic" panose="020B0502020202020204" pitchFamily="34" charset="0"/>
-              </a:rPr>
-              <a:t>AIC</a:t>
-            </a:r>
-          </a:p>
-          <a:p>
-            <a:pPr marL="800100" lvl="1" indent="-342900">
-              <a:buFont typeface="Wingdings" panose="05000000000000000000" pitchFamily="2" charset="2"/>
-              <a:buChar char="ü"/>
-            </a:pPr>
-            <a:r>
-              <a:rPr lang="fr-FR" i="1" dirty="0">
-                <a:latin typeface="Century Gothic" panose="020B0502020202020204" pitchFamily="34" charset="0"/>
-              </a:rPr>
-              <a:t>BIC</a:t>
-            </a:r>
-          </a:p>
-          <a:p>
-            <a:pPr marL="800100" lvl="1" indent="-342900">
-              <a:buFont typeface="Wingdings" panose="05000000000000000000" pitchFamily="2" charset="2"/>
-              <a:buChar char="ü"/>
-            </a:pPr>
-            <a:r>
-              <a:rPr lang="fr-FR" i="1" dirty="0">
-                <a:latin typeface="Century Gothic" panose="020B0502020202020204" pitchFamily="34" charset="0"/>
-              </a:rPr>
-              <a:t>ICC</a:t>
-            </a:r>
-          </a:p>
-          <a:p>
-            <a:pPr marL="800100" lvl="1" indent="-342900">
-              <a:buFont typeface="Wingdings" panose="05000000000000000000" pitchFamily="2" charset="2"/>
-              <a:buChar char="ü"/>
-            </a:pPr>
-            <a:r>
-              <a:rPr lang="fr-FR" i="1" dirty="0">
-                <a:latin typeface="Century Gothic" panose="020B0502020202020204" pitchFamily="34" charset="0"/>
-              </a:rPr>
-              <a:t>R2</a:t>
-            </a:r>
-          </a:p>
-          <a:p>
-            <a:pPr marL="800100" lvl="1" indent="-342900">
-              <a:buFont typeface="Wingdings" panose="05000000000000000000" pitchFamily="2" charset="2"/>
-              <a:buChar char="ü"/>
-            </a:pPr>
-            <a:r>
-              <a:rPr lang="fr-FR" i="1" dirty="0">
-                <a:latin typeface="Century Gothic" panose="020B0502020202020204" pitchFamily="34" charset="0"/>
-              </a:rPr>
-              <a:t>RMSE</a:t>
-            </a:r>
-          </a:p>
-          <a:p>
-            <a:pPr marL="800100" lvl="1" indent="-342900">
-              <a:buFont typeface="Wingdings" panose="05000000000000000000" pitchFamily="2" charset="2"/>
-              <a:buChar char="ü"/>
-            </a:pPr>
-            <a:r>
-              <a:rPr lang="fr-FR" i="1" dirty="0">
-                <a:latin typeface="Century Gothic" panose="020B0502020202020204" pitchFamily="34" charset="0"/>
-              </a:rPr>
-              <a:t>…</a:t>
-            </a:r>
-            <a:endParaRPr lang="fr-FR" sz="1600" i="1" dirty="0">
-              <a:latin typeface="Century Gothic" panose="020B0502020202020204" pitchFamily="34" charset="0"/>
-            </a:endParaRPr>
-          </a:p>
-        </p:txBody>
-      </p:sp>
-      <p:sp>
-        <p:nvSpPr>
-          <p:cNvPr id="16" name="Rectangle 15">
-            <a:extLst>
-              <a:ext uri="{FF2B5EF4-FFF2-40B4-BE49-F238E27FC236}">
-                <a16:creationId xmlns:a16="http://schemas.microsoft.com/office/drawing/2014/main" id="{128DBC4A-4A9B-4742-9029-FCAF3E7D4E9B}"/>
-              </a:ext>
-            </a:extLst>
-          </p:cNvPr>
-          <p:cNvSpPr/>
-          <p:nvPr/>
-        </p:nvSpPr>
-        <p:spPr>
-          <a:xfrm>
-            <a:off x="334818" y="3452013"/>
-            <a:ext cx="3074467" cy="2071989"/>
-          </a:xfrm>
-          <a:prstGeom prst="rect">
-            <a:avLst/>
-          </a:prstGeom>
-          <a:noFill/>
-          <a:ln>
-            <a:noFill/>
-          </a:ln>
-        </p:spPr>
-        <p:style>
-          <a:lnRef idx="0">
-            <a:scrgbClr r="0" g="0" b="0"/>
-          </a:lnRef>
-          <a:fillRef idx="0">
-            <a:scrgbClr r="0" g="0" b="0"/>
-          </a:fillRef>
-          <a:effectRef idx="0">
-            <a:scrgbClr r="0" g="0" b="0"/>
-          </a:effectRef>
-          <a:fontRef idx="minor">
-            <a:schemeClr val="dk1"/>
-          </a:fontRef>
-        </p:style>
-        <p:txBody>
-          <a:bodyPr rtlCol="0" anchor="ctr"/>
-          <a:lstStyle/>
-          <a:p>
-            <a:pPr algn="ctr"/>
-            <a:r>
-              <a:rPr lang="fr-FR" sz="2800" b="1" dirty="0" err="1">
-                <a:solidFill>
-                  <a:srgbClr val="CD00B4"/>
-                </a:solidFill>
-                <a:latin typeface="Consolas" panose="020B0609020204030204" pitchFamily="49" charset="0"/>
-              </a:rPr>
-              <a:t>check_model</a:t>
-            </a:r>
-            <a:r>
-              <a:rPr lang="fr-FR" sz="2800" b="1" dirty="0">
-                <a:solidFill>
-                  <a:srgbClr val="CD00B4"/>
-                </a:solidFill>
-                <a:latin typeface="Consolas" panose="020B0609020204030204" pitchFamily="49" charset="0"/>
-              </a:rPr>
-              <a:t>()</a:t>
-            </a:r>
-          </a:p>
-          <a:p>
-            <a:pPr marL="342900" indent="-342900">
-              <a:buFont typeface="Wingdings" panose="05000000000000000000" pitchFamily="2" charset="2"/>
-              <a:buChar char="ü"/>
-            </a:pPr>
-            <a:r>
-              <a:rPr lang="fr-FR" i="1" dirty="0" err="1">
-                <a:latin typeface="Century Gothic" panose="020B0502020202020204" pitchFamily="34" charset="0"/>
-              </a:rPr>
-              <a:t>Linearity</a:t>
-            </a:r>
-            <a:endParaRPr lang="fr-FR" i="1" dirty="0">
-              <a:latin typeface="Century Gothic" panose="020B0502020202020204" pitchFamily="34" charset="0"/>
-            </a:endParaRPr>
-          </a:p>
-          <a:p>
-            <a:pPr marL="342900" indent="-342900">
-              <a:buFont typeface="Wingdings" panose="05000000000000000000" pitchFamily="2" charset="2"/>
-              <a:buChar char="ü"/>
-            </a:pPr>
-            <a:r>
-              <a:rPr lang="fr-FR" i="1" dirty="0" err="1">
-                <a:latin typeface="Century Gothic" panose="020B0502020202020204" pitchFamily="34" charset="0"/>
-              </a:rPr>
-              <a:t>Homogenity</a:t>
-            </a:r>
-            <a:endParaRPr lang="fr-FR" i="1" dirty="0">
-              <a:latin typeface="Century Gothic" panose="020B0502020202020204" pitchFamily="34" charset="0"/>
-            </a:endParaRPr>
-          </a:p>
-          <a:p>
-            <a:pPr marL="342900" indent="-342900">
-              <a:buFont typeface="Wingdings" panose="05000000000000000000" pitchFamily="2" charset="2"/>
-              <a:buChar char="ü"/>
-            </a:pPr>
-            <a:r>
-              <a:rPr lang="fr-FR" i="1" dirty="0" err="1">
-                <a:latin typeface="Century Gothic" panose="020B0502020202020204" pitchFamily="34" charset="0"/>
-              </a:rPr>
-              <a:t>Heteroscedasticity</a:t>
-            </a:r>
-            <a:endParaRPr lang="fr-FR" i="1" dirty="0">
-              <a:latin typeface="Century Gothic" panose="020B0502020202020204" pitchFamily="34" charset="0"/>
-            </a:endParaRPr>
-          </a:p>
-          <a:p>
-            <a:pPr marL="342900" indent="-342900">
-              <a:buFont typeface="Wingdings" panose="05000000000000000000" pitchFamily="2" charset="2"/>
-              <a:buChar char="ü"/>
-            </a:pPr>
-            <a:r>
-              <a:rPr lang="fr-FR" i="1" dirty="0" err="1">
-                <a:latin typeface="Century Gothic" panose="020B0502020202020204" pitchFamily="34" charset="0"/>
-              </a:rPr>
-              <a:t>Collinearity</a:t>
-            </a:r>
-            <a:endParaRPr lang="fr-FR" i="1" dirty="0">
-              <a:latin typeface="Century Gothic" panose="020B0502020202020204" pitchFamily="34" charset="0"/>
-            </a:endParaRPr>
-          </a:p>
-          <a:p>
-            <a:pPr marL="342900" indent="-342900">
-              <a:buFont typeface="Wingdings" panose="05000000000000000000" pitchFamily="2" charset="2"/>
-              <a:buChar char="ü"/>
-            </a:pPr>
-            <a:r>
-              <a:rPr lang="fr-FR" i="1" dirty="0" err="1">
-                <a:latin typeface="Century Gothic" panose="020B0502020202020204" pitchFamily="34" charset="0"/>
-              </a:rPr>
-              <a:t>Outliers</a:t>
-            </a:r>
-            <a:endParaRPr lang="fr-FR" i="1" dirty="0">
-              <a:latin typeface="Century Gothic" panose="020B0502020202020204" pitchFamily="34" charset="0"/>
-            </a:endParaRPr>
-          </a:p>
-          <a:p>
-            <a:pPr marL="342900" indent="-342900">
-              <a:buFont typeface="Wingdings" panose="05000000000000000000" pitchFamily="2" charset="2"/>
-              <a:buChar char="ü"/>
-            </a:pPr>
-            <a:r>
-              <a:rPr lang="fr-FR" i="1" dirty="0">
-                <a:latin typeface="Century Gothic" panose="020B0502020202020204" pitchFamily="34" charset="0"/>
-              </a:rPr>
-              <a:t>…</a:t>
-            </a:r>
-            <a:endParaRPr lang="en-GB" i="1" dirty="0">
-              <a:latin typeface="Century Gothic" panose="020B0502020202020204" pitchFamily="34" charset="0"/>
-            </a:endParaRPr>
-          </a:p>
-        </p:txBody>
-      </p:sp>
-      <p:sp>
-        <p:nvSpPr>
-          <p:cNvPr id="35" name="Rectangle 34">
-            <a:extLst>
-              <a:ext uri="{FF2B5EF4-FFF2-40B4-BE49-F238E27FC236}">
-                <a16:creationId xmlns:a16="http://schemas.microsoft.com/office/drawing/2014/main" id="{E91B0969-7583-4359-9936-1FCE0D1A12F0}"/>
-              </a:ext>
-            </a:extLst>
-          </p:cNvPr>
-          <p:cNvSpPr/>
-          <p:nvPr/>
-        </p:nvSpPr>
-        <p:spPr>
-          <a:xfrm>
-            <a:off x="3475170" y="2618766"/>
-            <a:ext cx="3849419" cy="643467"/>
-          </a:xfrm>
-          <a:prstGeom prst="rect">
-            <a:avLst/>
-          </a:prstGeom>
-          <a:noFill/>
-          <a:ln>
-            <a:noFill/>
-          </a:ln>
-        </p:spPr>
-        <p:style>
-          <a:lnRef idx="0">
-            <a:scrgbClr r="0" g="0" b="0"/>
-          </a:lnRef>
-          <a:fillRef idx="0">
-            <a:scrgbClr r="0" g="0" b="0"/>
-          </a:fillRef>
-          <a:effectRef idx="0">
-            <a:scrgbClr r="0" g="0" b="0"/>
-          </a:effectRef>
-          <a:fontRef idx="minor">
-            <a:schemeClr val="dk1"/>
-          </a:fontRef>
-        </p:style>
-        <p:txBody>
-          <a:bodyPr rtlCol="0" anchor="ctr"/>
-          <a:lstStyle/>
-          <a:p>
-            <a:pPr algn="ctr"/>
-            <a:r>
-              <a:rPr lang="fr-FR" sz="2400" b="1" dirty="0" err="1">
-                <a:solidFill>
-                  <a:srgbClr val="CD00B4"/>
-                </a:solidFill>
-                <a:latin typeface="Consolas" panose="020B0609020204030204" pitchFamily="49" charset="0"/>
-              </a:rPr>
-              <a:t>compare_performance</a:t>
-            </a:r>
-            <a:r>
-              <a:rPr lang="fr-FR" sz="2400" b="1" dirty="0">
-                <a:solidFill>
-                  <a:srgbClr val="CD00B4"/>
-                </a:solidFill>
-                <a:latin typeface="Consolas" panose="020B0609020204030204" pitchFamily="49" charset="0"/>
-              </a:rPr>
-              <a:t>()</a:t>
-            </a:r>
-            <a:endParaRPr lang="en-GB" sz="2400" b="1" dirty="0">
-              <a:solidFill>
-                <a:srgbClr val="CD00B4"/>
-              </a:solidFill>
-              <a:latin typeface="Consolas" panose="020B0609020204030204" pitchFamily="49" charset="0"/>
-            </a:endParaRPr>
-          </a:p>
-        </p:txBody>
-      </p:sp>
-      <p:sp>
-        <p:nvSpPr>
-          <p:cNvPr id="36" name="Rectangle 35">
-            <a:extLst>
-              <a:ext uri="{FF2B5EF4-FFF2-40B4-BE49-F238E27FC236}">
-                <a16:creationId xmlns:a16="http://schemas.microsoft.com/office/drawing/2014/main" id="{1147A805-C624-41C3-8F5E-367B840AAFC0}"/>
-              </a:ext>
-            </a:extLst>
-          </p:cNvPr>
-          <p:cNvSpPr/>
-          <p:nvPr/>
-        </p:nvSpPr>
-        <p:spPr>
-          <a:xfrm>
-            <a:off x="3475169" y="7785253"/>
-            <a:ext cx="3849419" cy="643467"/>
-          </a:xfrm>
-          <a:prstGeom prst="rect">
-            <a:avLst/>
-          </a:prstGeom>
-          <a:noFill/>
-          <a:ln>
-            <a:noFill/>
-          </a:ln>
-        </p:spPr>
-        <p:style>
-          <a:lnRef idx="0">
-            <a:scrgbClr r="0" g="0" b="0"/>
-          </a:lnRef>
-          <a:fillRef idx="0">
-            <a:scrgbClr r="0" g="0" b="0"/>
-          </a:fillRef>
-          <a:effectRef idx="0">
-            <a:scrgbClr r="0" g="0" b="0"/>
-          </a:effectRef>
-          <a:fontRef idx="minor">
-            <a:schemeClr val="dk1"/>
-          </a:fontRef>
-        </p:style>
-        <p:txBody>
-          <a:bodyPr rtlCol="0" anchor="ctr"/>
-          <a:lstStyle/>
-          <a:p>
-            <a:pPr algn="ctr"/>
-            <a:r>
-              <a:rPr lang="fr-FR" sz="2400" b="1" dirty="0" err="1">
-                <a:solidFill>
-                  <a:srgbClr val="CD00B4"/>
-                </a:solidFill>
-                <a:latin typeface="Consolas" panose="020B0609020204030204" pitchFamily="49" charset="0"/>
-              </a:rPr>
-              <a:t>test_performance</a:t>
-            </a:r>
-            <a:r>
-              <a:rPr lang="fr-FR" sz="2400" b="1" dirty="0">
-                <a:solidFill>
-                  <a:srgbClr val="CD00B4"/>
-                </a:solidFill>
-                <a:latin typeface="Consolas" panose="020B0609020204030204" pitchFamily="49" charset="0"/>
-              </a:rPr>
-              <a:t>()</a:t>
-            </a:r>
-          </a:p>
-          <a:p>
-            <a:pPr algn="ctr"/>
-            <a:r>
-              <a:rPr lang="fr-FR" i="1" dirty="0">
-                <a:latin typeface="Century Gothic" panose="020B0502020202020204" pitchFamily="34" charset="0"/>
-              </a:rPr>
-              <a:t>Model 1 &gt; Model 2 (p &lt; .042)</a:t>
-            </a:r>
-          </a:p>
-        </p:txBody>
-      </p:sp>
-      <p:sp>
-        <p:nvSpPr>
           <p:cNvPr id="55" name="TextBox 54">
             <a:extLst>
               <a:ext uri="{FF2B5EF4-FFF2-40B4-BE49-F238E27FC236}">
@@ -3425,7 +2985,7 @@
         </p:nvSpPr>
         <p:spPr>
           <a:xfrm>
-            <a:off x="1719923" y="514"/>
+            <a:off x="1719923" y="80681"/>
             <a:ext cx="7359916" cy="584775"/>
           </a:xfrm>
           <a:prstGeom prst="rect">
@@ -3453,8 +3013,9 @@
               <a:t> the </a:t>
             </a:r>
             <a:r>
-              <a:rPr lang="fr-FR" sz="3200" b="1" i="1" dirty="0" err="1">
-                <a:latin typeface="Consolas" panose="020B0609020204030204" pitchFamily="49" charset="0"/>
+              <a:rPr lang="fr-FR" sz="3200" b="1" i="1" u="sng" dirty="0" err="1">
+                <a:latin typeface="Roboto" panose="02000000000000000000" pitchFamily="2" charset="0"/>
+                <a:ea typeface="Roboto" panose="02000000000000000000" pitchFamily="2" charset="0"/>
               </a:rPr>
               <a:t>datawizard</a:t>
             </a:r>
@@ -3464,980 +3025,6 @@
               </a:rPr>
               <a:t> R package</a:t>
             </a:r>
-          </a:p>
-        </p:txBody>
-      </p:sp>
-      <p:graphicFrame>
-        <p:nvGraphicFramePr>
-          <p:cNvPr id="57" name="Table 58">
-            <a:extLst>
-              <a:ext uri="{FF2B5EF4-FFF2-40B4-BE49-F238E27FC236}">
-                <a16:creationId xmlns:a16="http://schemas.microsoft.com/office/drawing/2014/main" id="{2E71D294-9EC5-43D9-9347-A26BBE583271}"/>
-              </a:ext>
-            </a:extLst>
-          </p:cNvPr>
-          <p:cNvGraphicFramePr>
-            <a:graphicFrameLocks noGrp="1"/>
-          </p:cNvGraphicFramePr>
-          <p:nvPr>
-            <p:extLst>
-              <p:ext uri="{D42A27DB-BD31-4B8C-83A1-F6EECF244321}">
-                <p14:modId xmlns:p14="http://schemas.microsoft.com/office/powerpoint/2010/main" val="514720186"/>
-              </p:ext>
-            </p:extLst>
-          </p:nvPr>
-        </p:nvGraphicFramePr>
-        <p:xfrm>
-          <a:off x="3796239" y="3245658"/>
-          <a:ext cx="3207280" cy="980073"/>
-        </p:xfrm>
-        <a:graphic>
-          <a:graphicData uri="http://schemas.openxmlformats.org/drawingml/2006/table">
-            <a:tbl>
-              <a:tblPr firstRow="1" bandRow="1">
-                <a:tableStyleId>{C083E6E3-FA7D-4D7B-A595-EF9225AFEA82}</a:tableStyleId>
-              </a:tblPr>
-              <a:tblGrid>
-                <a:gridCol w="801820">
-                  <a:extLst>
-                    <a:ext uri="{9D8B030D-6E8A-4147-A177-3AD203B41FA5}">
-                      <a16:colId xmlns:a16="http://schemas.microsoft.com/office/drawing/2014/main" val="2446890595"/>
-                    </a:ext>
-                  </a:extLst>
-                </a:gridCol>
-                <a:gridCol w="801820">
-                  <a:extLst>
-                    <a:ext uri="{9D8B030D-6E8A-4147-A177-3AD203B41FA5}">
-                      <a16:colId xmlns:a16="http://schemas.microsoft.com/office/drawing/2014/main" val="1063152232"/>
-                    </a:ext>
-                  </a:extLst>
-                </a:gridCol>
-                <a:gridCol w="801820">
-                  <a:extLst>
-                    <a:ext uri="{9D8B030D-6E8A-4147-A177-3AD203B41FA5}">
-                      <a16:colId xmlns:a16="http://schemas.microsoft.com/office/drawing/2014/main" val="1799320389"/>
-                    </a:ext>
-                  </a:extLst>
-                </a:gridCol>
-                <a:gridCol w="801820">
-                  <a:extLst>
-                    <a:ext uri="{9D8B030D-6E8A-4147-A177-3AD203B41FA5}">
-                      <a16:colId xmlns:a16="http://schemas.microsoft.com/office/drawing/2014/main" val="3961177945"/>
-                    </a:ext>
-                  </a:extLst>
-                </a:gridCol>
-              </a:tblGrid>
-              <a:tr h="326691">
-                <a:tc>
-                  <a:txBody>
-                    <a:bodyPr/>
-                    <a:lstStyle/>
-                    <a:p>
-                      <a:r>
-                        <a:rPr lang="fr-FR" sz="1400" dirty="0"/>
-                        <a:t>Model</a:t>
-                      </a:r>
-                      <a:endParaRPr lang="en-GB" sz="1400" dirty="0"/>
-                    </a:p>
-                  </a:txBody>
-                  <a:tcPr>
-                    <a:lnT w="12700" cap="flat" cmpd="sng" algn="ctr">
-                      <a:solidFill>
-                        <a:schemeClr val="tx1"/>
-                      </a:solidFill>
-                      <a:prstDash val="solid"/>
-                      <a:round/>
-                      <a:headEnd type="none" w="med" len="med"/>
-                      <a:tailEnd type="none" w="med" len="med"/>
-                    </a:lnT>
-                    <a:lnB w="12700" cap="flat" cmpd="sng" algn="ctr">
-                      <a:solidFill>
-                        <a:schemeClr val="tx1"/>
-                      </a:solidFill>
-                      <a:prstDash val="solid"/>
-                      <a:round/>
-                      <a:headEnd type="none" w="med" len="med"/>
-                      <a:tailEnd type="none" w="med" len="med"/>
-                    </a:lnB>
-                  </a:tcPr>
-                </a:tc>
-                <a:tc>
-                  <a:txBody>
-                    <a:bodyPr/>
-                    <a:lstStyle/>
-                    <a:p>
-                      <a:r>
-                        <a:rPr lang="fr-FR" sz="1400" dirty="0"/>
-                        <a:t>AIC</a:t>
-                      </a:r>
-                      <a:endParaRPr lang="en-GB" sz="1400" dirty="0"/>
-                    </a:p>
-                  </a:txBody>
-                  <a:tcPr>
-                    <a:lnT w="12700" cap="flat" cmpd="sng" algn="ctr">
-                      <a:solidFill>
-                        <a:schemeClr val="tx1"/>
-                      </a:solidFill>
-                      <a:prstDash val="solid"/>
-                      <a:round/>
-                      <a:headEnd type="none" w="med" len="med"/>
-                      <a:tailEnd type="none" w="med" len="med"/>
-                    </a:lnT>
-                    <a:lnB w="12700" cap="flat" cmpd="sng" algn="ctr">
-                      <a:solidFill>
-                        <a:schemeClr val="tx1"/>
-                      </a:solidFill>
-                      <a:prstDash val="solid"/>
-                      <a:round/>
-                      <a:headEnd type="none" w="med" len="med"/>
-                      <a:tailEnd type="none" w="med" len="med"/>
-                    </a:lnB>
-                  </a:tcPr>
-                </a:tc>
-                <a:tc>
-                  <a:txBody>
-                    <a:bodyPr/>
-                    <a:lstStyle/>
-                    <a:p>
-                      <a:r>
-                        <a:rPr lang="fr-FR" sz="1400" dirty="0"/>
-                        <a:t>BIC</a:t>
-                      </a:r>
-                      <a:endParaRPr lang="en-GB" sz="1400" dirty="0"/>
-                    </a:p>
-                  </a:txBody>
-                  <a:tcPr>
-                    <a:lnT w="12700" cap="flat" cmpd="sng" algn="ctr">
-                      <a:solidFill>
-                        <a:schemeClr val="tx1"/>
-                      </a:solidFill>
-                      <a:prstDash val="solid"/>
-                      <a:round/>
-                      <a:headEnd type="none" w="med" len="med"/>
-                      <a:tailEnd type="none" w="med" len="med"/>
-                    </a:lnT>
-                    <a:lnB w="12700" cap="flat" cmpd="sng" algn="ctr">
-                      <a:solidFill>
-                        <a:schemeClr val="tx1"/>
-                      </a:solidFill>
-                      <a:prstDash val="solid"/>
-                      <a:round/>
-                      <a:headEnd type="none" w="med" len="med"/>
-                      <a:tailEnd type="none" w="med" len="med"/>
-                    </a:lnB>
-                  </a:tcPr>
-                </a:tc>
-                <a:tc>
-                  <a:txBody>
-                    <a:bodyPr/>
-                    <a:lstStyle/>
-                    <a:p>
-                      <a:r>
-                        <a:rPr lang="fr-FR" sz="1400" dirty="0"/>
-                        <a:t>R2</a:t>
-                      </a:r>
-                      <a:endParaRPr lang="en-GB" sz="1400" dirty="0"/>
-                    </a:p>
-                  </a:txBody>
-                  <a:tcPr>
-                    <a:lnT w="12700" cap="flat" cmpd="sng" algn="ctr">
-                      <a:solidFill>
-                        <a:schemeClr val="tx1"/>
-                      </a:solidFill>
-                      <a:prstDash val="solid"/>
-                      <a:round/>
-                      <a:headEnd type="none" w="med" len="med"/>
-                      <a:tailEnd type="none" w="med" len="med"/>
-                    </a:lnT>
-                    <a:lnB w="12700" cap="flat" cmpd="sng" algn="ctr">
-                      <a:solidFill>
-                        <a:schemeClr val="tx1"/>
-                      </a:solidFill>
-                      <a:prstDash val="solid"/>
-                      <a:round/>
-                      <a:headEnd type="none" w="med" len="med"/>
-                      <a:tailEnd type="none" w="med" len="med"/>
-                    </a:lnB>
-                  </a:tcPr>
-                </a:tc>
-                <a:extLst>
-                  <a:ext uri="{0D108BD9-81ED-4DB2-BD59-A6C34878D82A}">
-                    <a16:rowId xmlns:a16="http://schemas.microsoft.com/office/drawing/2014/main" val="940373995"/>
-                  </a:ext>
-                </a:extLst>
-              </a:tr>
-              <a:tr h="326691">
-                <a:tc>
-                  <a:txBody>
-                    <a:bodyPr/>
-                    <a:lstStyle/>
-                    <a:p>
-                      <a:r>
-                        <a:rPr lang="fr-FR" sz="1400" b="1" dirty="0"/>
-                        <a:t>Model 1</a:t>
-                      </a:r>
-                      <a:endParaRPr lang="en-GB" sz="1400" b="1" dirty="0"/>
-                    </a:p>
-                  </a:txBody>
-                  <a:tcPr>
-                    <a:lnT w="12700" cap="flat" cmpd="sng" algn="ctr">
-                      <a:solidFill>
-                        <a:schemeClr val="tx1"/>
-                      </a:solidFill>
-                      <a:prstDash val="solid"/>
-                      <a:round/>
-                      <a:headEnd type="none" w="med" len="med"/>
-                      <a:tailEnd type="none" w="med" len="med"/>
-                    </a:lnT>
-                  </a:tcPr>
-                </a:tc>
-                <a:tc>
-                  <a:txBody>
-                    <a:bodyPr/>
-                    <a:lstStyle/>
-                    <a:p>
-                      <a:r>
-                        <a:rPr lang="fr-FR" sz="1400" dirty="0"/>
-                        <a:t>301</a:t>
-                      </a:r>
-                      <a:endParaRPr lang="en-GB" sz="1400" dirty="0"/>
-                    </a:p>
-                  </a:txBody>
-                  <a:tcPr>
-                    <a:lnT w="12700" cap="flat" cmpd="sng" algn="ctr">
-                      <a:solidFill>
-                        <a:schemeClr val="tx1"/>
-                      </a:solidFill>
-                      <a:prstDash val="solid"/>
-                      <a:round/>
-                      <a:headEnd type="none" w="med" len="med"/>
-                      <a:tailEnd type="none" w="med" len="med"/>
-                    </a:lnT>
-                  </a:tcPr>
-                </a:tc>
-                <a:tc>
-                  <a:txBody>
-                    <a:bodyPr/>
-                    <a:lstStyle/>
-                    <a:p>
-                      <a:r>
-                        <a:rPr lang="fr-FR" sz="1400" dirty="0"/>
-                        <a:t>318</a:t>
-                      </a:r>
-                      <a:endParaRPr lang="en-GB" sz="1400" dirty="0"/>
-                    </a:p>
-                  </a:txBody>
-                  <a:tcPr>
-                    <a:lnT w="12700" cap="flat" cmpd="sng" algn="ctr">
-                      <a:solidFill>
-                        <a:schemeClr val="tx1"/>
-                      </a:solidFill>
-                      <a:prstDash val="solid"/>
-                      <a:round/>
-                      <a:headEnd type="none" w="med" len="med"/>
-                      <a:tailEnd type="none" w="med" len="med"/>
-                    </a:lnT>
-                  </a:tcPr>
-                </a:tc>
-                <a:tc>
-                  <a:txBody>
-                    <a:bodyPr/>
-                    <a:lstStyle/>
-                    <a:p>
-                      <a:r>
-                        <a:rPr lang="fr-FR" sz="1400" dirty="0"/>
-                        <a:t>0.14</a:t>
-                      </a:r>
-                      <a:endParaRPr lang="en-GB" sz="1400" dirty="0"/>
-                    </a:p>
-                  </a:txBody>
-                  <a:tcPr>
-                    <a:lnT w="12700" cap="flat" cmpd="sng" algn="ctr">
-                      <a:solidFill>
-                        <a:schemeClr val="tx1"/>
-                      </a:solidFill>
-                      <a:prstDash val="solid"/>
-                      <a:round/>
-                      <a:headEnd type="none" w="med" len="med"/>
-                      <a:tailEnd type="none" w="med" len="med"/>
-                    </a:lnT>
-                  </a:tcPr>
-                </a:tc>
-                <a:extLst>
-                  <a:ext uri="{0D108BD9-81ED-4DB2-BD59-A6C34878D82A}">
-                    <a16:rowId xmlns:a16="http://schemas.microsoft.com/office/drawing/2014/main" val="3923801804"/>
-                  </a:ext>
-                </a:extLst>
-              </a:tr>
-              <a:tr h="326691">
-                <a:tc>
-                  <a:txBody>
-                    <a:bodyPr/>
-                    <a:lstStyle/>
-                    <a:p>
-                      <a:r>
-                        <a:rPr lang="fr-FR" sz="1400" b="1" dirty="0"/>
-                        <a:t>Model 2</a:t>
-                      </a:r>
-                      <a:endParaRPr lang="en-GB" sz="1400" b="1" dirty="0"/>
-                    </a:p>
-                  </a:txBody>
-                  <a:tcPr/>
-                </a:tc>
-                <a:tc>
-                  <a:txBody>
-                    <a:bodyPr/>
-                    <a:lstStyle/>
-                    <a:p>
-                      <a:r>
-                        <a:rPr lang="fr-FR" sz="1400" dirty="0"/>
-                        <a:t>284</a:t>
-                      </a:r>
-                      <a:endParaRPr lang="en-GB" sz="1400" dirty="0"/>
-                    </a:p>
-                  </a:txBody>
-                  <a:tcPr/>
-                </a:tc>
-                <a:tc>
-                  <a:txBody>
-                    <a:bodyPr/>
-                    <a:lstStyle/>
-                    <a:p>
-                      <a:r>
-                        <a:rPr lang="fr-FR" sz="1400" dirty="0"/>
-                        <a:t>297</a:t>
-                      </a:r>
-                      <a:endParaRPr lang="en-GB" sz="1400" dirty="0"/>
-                    </a:p>
-                  </a:txBody>
-                  <a:tcPr/>
-                </a:tc>
-                <a:tc>
-                  <a:txBody>
-                    <a:bodyPr/>
-                    <a:lstStyle/>
-                    <a:p>
-                      <a:r>
-                        <a:rPr lang="fr-FR" sz="1400" dirty="0"/>
-                        <a:t>0.12</a:t>
-                      </a:r>
-                      <a:endParaRPr lang="en-GB" sz="1400" dirty="0"/>
-                    </a:p>
-                  </a:txBody>
-                  <a:tcPr/>
-                </a:tc>
-                <a:extLst>
-                  <a:ext uri="{0D108BD9-81ED-4DB2-BD59-A6C34878D82A}">
-                    <a16:rowId xmlns:a16="http://schemas.microsoft.com/office/drawing/2014/main" val="1837440306"/>
-                  </a:ext>
-                </a:extLst>
-              </a:tr>
-            </a:tbl>
-          </a:graphicData>
-        </a:graphic>
-      </p:graphicFrame>
-      <p:sp>
-        <p:nvSpPr>
-          <p:cNvPr id="67" name="Rectangle 66">
-            <a:extLst>
-              <a:ext uri="{FF2B5EF4-FFF2-40B4-BE49-F238E27FC236}">
-                <a16:creationId xmlns:a16="http://schemas.microsoft.com/office/drawing/2014/main" id="{0B89CC8B-C404-4714-80EB-95F65F214823}"/>
-              </a:ext>
-            </a:extLst>
-          </p:cNvPr>
-          <p:cNvSpPr/>
-          <p:nvPr/>
-        </p:nvSpPr>
-        <p:spPr>
-          <a:xfrm>
-            <a:off x="6947003" y="6495055"/>
-            <a:ext cx="4035840" cy="1794164"/>
-          </a:xfrm>
-          <a:prstGeom prst="rect">
-            <a:avLst/>
-          </a:prstGeom>
-          <a:noFill/>
-          <a:ln>
-            <a:noFill/>
-          </a:ln>
-        </p:spPr>
-        <p:style>
-          <a:lnRef idx="0">
-            <a:scrgbClr r="0" g="0" b="0"/>
-          </a:lnRef>
-          <a:fillRef idx="0">
-            <a:scrgbClr r="0" g="0" b="0"/>
-          </a:fillRef>
-          <a:effectRef idx="0">
-            <a:scrgbClr r="0" g="0" b="0"/>
-          </a:effectRef>
-          <a:fontRef idx="minor">
-            <a:schemeClr val="dk1"/>
-          </a:fontRef>
-        </p:style>
-        <p:txBody>
-          <a:bodyPr rtlCol="0" anchor="ctr"/>
-          <a:lstStyle/>
-          <a:p>
-            <a:pPr algn="ctr"/>
-            <a:r>
-              <a:rPr lang="fr-FR" sz="2800" b="1" dirty="0" err="1">
-                <a:solidFill>
-                  <a:srgbClr val="CD00B4"/>
-                </a:solidFill>
-                <a:latin typeface="Consolas" panose="020B0609020204030204" pitchFamily="49" charset="0"/>
-              </a:rPr>
-              <a:t>model_performance</a:t>
-            </a:r>
-            <a:r>
-              <a:rPr lang="fr-FR" sz="2800" b="1" dirty="0">
-                <a:solidFill>
-                  <a:srgbClr val="CD00B4"/>
-                </a:solidFill>
-                <a:latin typeface="Consolas" panose="020B0609020204030204" pitchFamily="49" charset="0"/>
-              </a:rPr>
-              <a:t>()</a:t>
-            </a:r>
-          </a:p>
-          <a:p>
-            <a:pPr marL="800100" lvl="1" indent="-342900">
-              <a:buFont typeface="Wingdings" panose="05000000000000000000" pitchFamily="2" charset="2"/>
-              <a:buChar char="ü"/>
-            </a:pPr>
-            <a:r>
-              <a:rPr lang="fr-FR" i="1" dirty="0">
-                <a:latin typeface="Century Gothic" panose="020B0502020202020204" pitchFamily="34" charset="0"/>
-              </a:rPr>
-              <a:t>AIC</a:t>
-            </a:r>
-          </a:p>
-          <a:p>
-            <a:pPr marL="800100" lvl="1" indent="-342900">
-              <a:buFont typeface="Wingdings" panose="05000000000000000000" pitchFamily="2" charset="2"/>
-              <a:buChar char="ü"/>
-            </a:pPr>
-            <a:r>
-              <a:rPr lang="fr-FR" i="1" dirty="0">
-                <a:latin typeface="Century Gothic" panose="020B0502020202020204" pitchFamily="34" charset="0"/>
-              </a:rPr>
-              <a:t>BIC</a:t>
-            </a:r>
-          </a:p>
-          <a:p>
-            <a:pPr marL="800100" lvl="1" indent="-342900">
-              <a:buFont typeface="Wingdings" panose="05000000000000000000" pitchFamily="2" charset="2"/>
-              <a:buChar char="ü"/>
-            </a:pPr>
-            <a:r>
-              <a:rPr lang="fr-FR" i="1" dirty="0">
-                <a:latin typeface="Century Gothic" panose="020B0502020202020204" pitchFamily="34" charset="0"/>
-              </a:rPr>
-              <a:t>ICC</a:t>
-            </a:r>
-          </a:p>
-          <a:p>
-            <a:pPr marL="800100" lvl="1" indent="-342900">
-              <a:buFont typeface="Wingdings" panose="05000000000000000000" pitchFamily="2" charset="2"/>
-              <a:buChar char="ü"/>
-            </a:pPr>
-            <a:r>
-              <a:rPr lang="fr-FR" i="1" dirty="0">
-                <a:latin typeface="Century Gothic" panose="020B0502020202020204" pitchFamily="34" charset="0"/>
-              </a:rPr>
-              <a:t>R2</a:t>
-            </a:r>
-          </a:p>
-          <a:p>
-            <a:pPr marL="800100" lvl="1" indent="-342900">
-              <a:buFont typeface="Wingdings" panose="05000000000000000000" pitchFamily="2" charset="2"/>
-              <a:buChar char="ü"/>
-            </a:pPr>
-            <a:r>
-              <a:rPr lang="fr-FR" i="1" dirty="0">
-                <a:latin typeface="Century Gothic" panose="020B0502020202020204" pitchFamily="34" charset="0"/>
-              </a:rPr>
-              <a:t>RMSE</a:t>
-            </a:r>
-          </a:p>
-          <a:p>
-            <a:pPr marL="800100" lvl="1" indent="-342900">
-              <a:buFont typeface="Wingdings" panose="05000000000000000000" pitchFamily="2" charset="2"/>
-              <a:buChar char="ü"/>
-            </a:pPr>
-            <a:r>
-              <a:rPr lang="fr-FR" i="1" dirty="0">
-                <a:latin typeface="Century Gothic" panose="020B0502020202020204" pitchFamily="34" charset="0"/>
-              </a:rPr>
-              <a:t>…</a:t>
-            </a:r>
-            <a:endParaRPr lang="fr-FR" sz="1600" i="1" dirty="0">
-              <a:latin typeface="Century Gothic" panose="020B0502020202020204" pitchFamily="34" charset="0"/>
-            </a:endParaRPr>
-          </a:p>
-        </p:txBody>
-      </p:sp>
-      <p:sp>
-        <p:nvSpPr>
-          <p:cNvPr id="70" name="Rectangle 69">
-            <a:extLst>
-              <a:ext uri="{FF2B5EF4-FFF2-40B4-BE49-F238E27FC236}">
-                <a16:creationId xmlns:a16="http://schemas.microsoft.com/office/drawing/2014/main" id="{7C8774A5-A051-4C09-9B52-FB25BD6CD456}"/>
-              </a:ext>
-            </a:extLst>
-          </p:cNvPr>
-          <p:cNvSpPr/>
-          <p:nvPr/>
-        </p:nvSpPr>
-        <p:spPr>
-          <a:xfrm>
-            <a:off x="7460896" y="3459181"/>
-            <a:ext cx="3074467" cy="2071989"/>
-          </a:xfrm>
-          <a:prstGeom prst="rect">
-            <a:avLst/>
-          </a:prstGeom>
-          <a:noFill/>
-          <a:ln>
-            <a:noFill/>
-          </a:ln>
-        </p:spPr>
-        <p:style>
-          <a:lnRef idx="0">
-            <a:scrgbClr r="0" g="0" b="0"/>
-          </a:lnRef>
-          <a:fillRef idx="0">
-            <a:scrgbClr r="0" g="0" b="0"/>
-          </a:fillRef>
-          <a:effectRef idx="0">
-            <a:scrgbClr r="0" g="0" b="0"/>
-          </a:effectRef>
-          <a:fontRef idx="minor">
-            <a:schemeClr val="dk1"/>
-          </a:fontRef>
-        </p:style>
-        <p:txBody>
-          <a:bodyPr rtlCol="0" anchor="ctr"/>
-          <a:lstStyle/>
-          <a:p>
-            <a:pPr algn="ctr"/>
-            <a:r>
-              <a:rPr lang="fr-FR" sz="2800" b="1" dirty="0" err="1">
-                <a:solidFill>
-                  <a:srgbClr val="CD00B4"/>
-                </a:solidFill>
-                <a:latin typeface="Consolas" panose="020B0609020204030204" pitchFamily="49" charset="0"/>
-              </a:rPr>
-              <a:t>check_model</a:t>
-            </a:r>
-            <a:r>
-              <a:rPr lang="fr-FR" sz="2800" b="1" dirty="0">
-                <a:solidFill>
-                  <a:srgbClr val="CD00B4"/>
-                </a:solidFill>
-                <a:latin typeface="Consolas" panose="020B0609020204030204" pitchFamily="49" charset="0"/>
-              </a:rPr>
-              <a:t>()</a:t>
-            </a:r>
-          </a:p>
-          <a:p>
-            <a:pPr marL="342900" indent="-342900">
-              <a:buFont typeface="Wingdings" panose="05000000000000000000" pitchFamily="2" charset="2"/>
-              <a:buChar char="ü"/>
-            </a:pPr>
-            <a:r>
-              <a:rPr lang="fr-FR" i="1" dirty="0" err="1">
-                <a:latin typeface="Century Gothic" panose="020B0502020202020204" pitchFamily="34" charset="0"/>
-              </a:rPr>
-              <a:t>Linearity</a:t>
-            </a:r>
-            <a:endParaRPr lang="fr-FR" i="1" dirty="0">
-              <a:latin typeface="Century Gothic" panose="020B0502020202020204" pitchFamily="34" charset="0"/>
-            </a:endParaRPr>
-          </a:p>
-          <a:p>
-            <a:pPr marL="342900" indent="-342900">
-              <a:buFont typeface="Wingdings" panose="05000000000000000000" pitchFamily="2" charset="2"/>
-              <a:buChar char="ü"/>
-            </a:pPr>
-            <a:r>
-              <a:rPr lang="fr-FR" i="1" dirty="0" err="1">
-                <a:latin typeface="Century Gothic" panose="020B0502020202020204" pitchFamily="34" charset="0"/>
-              </a:rPr>
-              <a:t>Homogenity</a:t>
-            </a:r>
-            <a:endParaRPr lang="fr-FR" i="1" dirty="0">
-              <a:latin typeface="Century Gothic" panose="020B0502020202020204" pitchFamily="34" charset="0"/>
-            </a:endParaRPr>
-          </a:p>
-          <a:p>
-            <a:pPr marL="342900" indent="-342900">
-              <a:buFont typeface="Wingdings" panose="05000000000000000000" pitchFamily="2" charset="2"/>
-              <a:buChar char="ü"/>
-            </a:pPr>
-            <a:r>
-              <a:rPr lang="fr-FR" i="1" dirty="0" err="1">
-                <a:latin typeface="Century Gothic" panose="020B0502020202020204" pitchFamily="34" charset="0"/>
-              </a:rPr>
-              <a:t>Heteroscedasticity</a:t>
-            </a:r>
-            <a:endParaRPr lang="fr-FR" i="1" dirty="0">
-              <a:latin typeface="Century Gothic" panose="020B0502020202020204" pitchFamily="34" charset="0"/>
-            </a:endParaRPr>
-          </a:p>
-          <a:p>
-            <a:pPr marL="342900" indent="-342900">
-              <a:buFont typeface="Wingdings" panose="05000000000000000000" pitchFamily="2" charset="2"/>
-              <a:buChar char="ü"/>
-            </a:pPr>
-            <a:r>
-              <a:rPr lang="fr-FR" i="1" dirty="0" err="1">
-                <a:latin typeface="Century Gothic" panose="020B0502020202020204" pitchFamily="34" charset="0"/>
-              </a:rPr>
-              <a:t>Collinearity</a:t>
-            </a:r>
-            <a:endParaRPr lang="fr-FR" i="1" dirty="0">
-              <a:latin typeface="Century Gothic" panose="020B0502020202020204" pitchFamily="34" charset="0"/>
-            </a:endParaRPr>
-          </a:p>
-          <a:p>
-            <a:pPr marL="342900" indent="-342900">
-              <a:buFont typeface="Wingdings" panose="05000000000000000000" pitchFamily="2" charset="2"/>
-              <a:buChar char="ü"/>
-            </a:pPr>
-            <a:r>
-              <a:rPr lang="fr-FR" i="1" dirty="0" err="1">
-                <a:latin typeface="Century Gothic" panose="020B0502020202020204" pitchFamily="34" charset="0"/>
-              </a:rPr>
-              <a:t>Outliers</a:t>
-            </a:r>
-            <a:endParaRPr lang="fr-FR" i="1" dirty="0">
-              <a:latin typeface="Century Gothic" panose="020B0502020202020204" pitchFamily="34" charset="0"/>
-            </a:endParaRPr>
-          </a:p>
-          <a:p>
-            <a:pPr marL="342900" indent="-342900">
-              <a:buFont typeface="Wingdings" panose="05000000000000000000" pitchFamily="2" charset="2"/>
-              <a:buChar char="ü"/>
-            </a:pPr>
-            <a:r>
-              <a:rPr lang="fr-FR" i="1" dirty="0">
-                <a:latin typeface="Century Gothic" panose="020B0502020202020204" pitchFamily="34" charset="0"/>
-              </a:rPr>
-              <a:t>…</a:t>
-            </a:r>
-            <a:endParaRPr lang="en-GB" i="1" dirty="0">
-              <a:latin typeface="Century Gothic" panose="020B0502020202020204" pitchFamily="34" charset="0"/>
-            </a:endParaRPr>
-          </a:p>
-        </p:txBody>
-      </p:sp>
-      <p:cxnSp>
-        <p:nvCxnSpPr>
-          <p:cNvPr id="8" name="Straight Arrow Connector 7">
-            <a:extLst>
-              <a:ext uri="{FF2B5EF4-FFF2-40B4-BE49-F238E27FC236}">
-                <a16:creationId xmlns:a16="http://schemas.microsoft.com/office/drawing/2014/main" id="{39CFED15-C7BA-4916-91F0-32A6521CE73E}"/>
-              </a:ext>
-            </a:extLst>
-          </p:cNvPr>
-          <p:cNvCxnSpPr>
-            <a:cxnSpLocks/>
-            <a:endCxn id="16" idx="0"/>
-          </p:cNvCxnSpPr>
-          <p:nvPr/>
-        </p:nvCxnSpPr>
-        <p:spPr>
-          <a:xfrm flipH="1">
-            <a:off x="1872052" y="3103019"/>
-            <a:ext cx="2240058" cy="348994"/>
-          </a:xfrm>
-          <a:prstGeom prst="straightConnector1">
-            <a:avLst/>
-          </a:prstGeom>
-          <a:ln w="57150">
-            <a:tailEnd type="triangle"/>
-          </a:ln>
-        </p:spPr>
-        <p:style>
-          <a:lnRef idx="1">
-            <a:schemeClr val="dk1"/>
-          </a:lnRef>
-          <a:fillRef idx="0">
-            <a:schemeClr val="dk1"/>
-          </a:fillRef>
-          <a:effectRef idx="0">
-            <a:schemeClr val="dk1"/>
-          </a:effectRef>
-          <a:fontRef idx="minor">
-            <a:schemeClr val="tx1"/>
-          </a:fontRef>
-        </p:style>
-      </p:cxnSp>
-      <p:cxnSp>
-        <p:nvCxnSpPr>
-          <p:cNvPr id="22" name="Straight Arrow Connector 21">
-            <a:extLst>
-              <a:ext uri="{FF2B5EF4-FFF2-40B4-BE49-F238E27FC236}">
-                <a16:creationId xmlns:a16="http://schemas.microsoft.com/office/drawing/2014/main" id="{A1A5861A-5A10-4AF8-A2D6-35620DC4C415}"/>
-              </a:ext>
-            </a:extLst>
-          </p:cNvPr>
-          <p:cNvCxnSpPr>
-            <a:cxnSpLocks/>
-          </p:cNvCxnSpPr>
-          <p:nvPr/>
-        </p:nvCxnSpPr>
-        <p:spPr>
-          <a:xfrm flipH="1">
-            <a:off x="1868554" y="5253066"/>
-            <a:ext cx="195" cy="972000"/>
-          </a:xfrm>
-          <a:prstGeom prst="straightConnector1">
-            <a:avLst/>
-          </a:prstGeom>
-          <a:ln w="57150">
-            <a:tailEnd type="triangle"/>
-          </a:ln>
-        </p:spPr>
-        <p:style>
-          <a:lnRef idx="1">
-            <a:schemeClr val="dk1"/>
-          </a:lnRef>
-          <a:fillRef idx="0">
-            <a:schemeClr val="dk1"/>
-          </a:fillRef>
-          <a:effectRef idx="0">
-            <a:schemeClr val="dk1"/>
-          </a:effectRef>
-          <a:fontRef idx="minor">
-            <a:schemeClr val="tx1"/>
-          </a:fontRef>
-        </p:style>
-      </p:cxnSp>
-      <p:cxnSp>
-        <p:nvCxnSpPr>
-          <p:cNvPr id="69" name="Straight Arrow Connector 68">
-            <a:extLst>
-              <a:ext uri="{FF2B5EF4-FFF2-40B4-BE49-F238E27FC236}">
-                <a16:creationId xmlns:a16="http://schemas.microsoft.com/office/drawing/2014/main" id="{4DC8A176-68D9-4529-8003-B1A27784EF2F}"/>
-              </a:ext>
-            </a:extLst>
-          </p:cNvPr>
-          <p:cNvCxnSpPr>
-            <a:cxnSpLocks/>
-            <a:endCxn id="70" idx="0"/>
-          </p:cNvCxnSpPr>
-          <p:nvPr/>
-        </p:nvCxnSpPr>
-        <p:spPr>
-          <a:xfrm flipH="1">
-            <a:off x="8998130" y="2375951"/>
-            <a:ext cx="1" cy="1083230"/>
-          </a:xfrm>
-          <a:prstGeom prst="straightConnector1">
-            <a:avLst/>
-          </a:prstGeom>
-          <a:ln w="57150">
-            <a:tailEnd type="triangle"/>
-          </a:ln>
-        </p:spPr>
-        <p:style>
-          <a:lnRef idx="1">
-            <a:schemeClr val="dk1"/>
-          </a:lnRef>
-          <a:fillRef idx="0">
-            <a:schemeClr val="dk1"/>
-          </a:fillRef>
-          <a:effectRef idx="0">
-            <a:schemeClr val="dk1"/>
-          </a:effectRef>
-          <a:fontRef idx="minor">
-            <a:schemeClr val="tx1"/>
-          </a:fontRef>
-        </p:style>
-      </p:cxnSp>
-      <p:cxnSp>
-        <p:nvCxnSpPr>
-          <p:cNvPr id="71" name="Straight Arrow Connector 70">
-            <a:extLst>
-              <a:ext uri="{FF2B5EF4-FFF2-40B4-BE49-F238E27FC236}">
-                <a16:creationId xmlns:a16="http://schemas.microsoft.com/office/drawing/2014/main" id="{2C30311C-01E4-47E6-967F-8E0BD16F5AE2}"/>
-              </a:ext>
-            </a:extLst>
-          </p:cNvPr>
-          <p:cNvCxnSpPr>
-            <a:cxnSpLocks/>
-          </p:cNvCxnSpPr>
-          <p:nvPr/>
-        </p:nvCxnSpPr>
-        <p:spPr>
-          <a:xfrm>
-            <a:off x="8998130" y="5253066"/>
-            <a:ext cx="0" cy="972000"/>
-          </a:xfrm>
-          <a:prstGeom prst="straightConnector1">
-            <a:avLst/>
-          </a:prstGeom>
-          <a:ln w="57150">
-            <a:tailEnd type="triangle"/>
-          </a:ln>
-        </p:spPr>
-        <p:style>
-          <a:lnRef idx="1">
-            <a:schemeClr val="dk1"/>
-          </a:lnRef>
-          <a:fillRef idx="0">
-            <a:schemeClr val="dk1"/>
-          </a:fillRef>
-          <a:effectRef idx="0">
-            <a:schemeClr val="dk1"/>
-          </a:effectRef>
-          <a:fontRef idx="minor">
-            <a:schemeClr val="tx1"/>
-          </a:fontRef>
-        </p:style>
-      </p:cxnSp>
-      <p:sp>
-        <p:nvSpPr>
-          <p:cNvPr id="79" name="Arc 78">
-            <a:extLst>
-              <a:ext uri="{FF2B5EF4-FFF2-40B4-BE49-F238E27FC236}">
-                <a16:creationId xmlns:a16="http://schemas.microsoft.com/office/drawing/2014/main" id="{C2548142-0471-4861-8BF2-5DFD02A49515}"/>
-              </a:ext>
-            </a:extLst>
-          </p:cNvPr>
-          <p:cNvSpPr/>
-          <p:nvPr/>
-        </p:nvSpPr>
-        <p:spPr>
-          <a:xfrm rot="16200000" flipH="1">
-            <a:off x="4455031" y="3212903"/>
-            <a:ext cx="4639390" cy="2118325"/>
-          </a:xfrm>
-          <a:prstGeom prst="arc">
-            <a:avLst>
-              <a:gd name="adj1" fmla="val 16678524"/>
-              <a:gd name="adj2" fmla="val 0"/>
-            </a:avLst>
-          </a:prstGeom>
-          <a:ln w="57150">
-            <a:headEnd type="triangle" w="med" len="med"/>
-            <a:tailEnd type="none" w="med" len="med"/>
-          </a:ln>
-        </p:spPr>
-        <p:style>
-          <a:lnRef idx="1">
-            <a:schemeClr val="dk1"/>
-          </a:lnRef>
-          <a:fillRef idx="0">
-            <a:schemeClr val="dk1"/>
-          </a:fillRef>
-          <a:effectRef idx="0">
-            <a:schemeClr val="dk1"/>
-          </a:effectRef>
-          <a:fontRef idx="minor">
-            <a:schemeClr val="tx1"/>
-          </a:fontRef>
-        </p:style>
-        <p:txBody>
-          <a:bodyPr rtlCol="0" anchor="ctr"/>
-          <a:lstStyle/>
-          <a:p>
-            <a:pPr algn="ctr"/>
-            <a:endParaRPr lang="en-GB"/>
-          </a:p>
-        </p:txBody>
-      </p:sp>
-      <p:cxnSp>
-        <p:nvCxnSpPr>
-          <p:cNvPr id="23" name="Straight Arrow Connector 22">
-            <a:extLst>
-              <a:ext uri="{FF2B5EF4-FFF2-40B4-BE49-F238E27FC236}">
-                <a16:creationId xmlns:a16="http://schemas.microsoft.com/office/drawing/2014/main" id="{E9B5B556-74BB-4A54-8DA3-C20EE18406A9}"/>
-              </a:ext>
-            </a:extLst>
-          </p:cNvPr>
-          <p:cNvCxnSpPr>
-            <a:cxnSpLocks/>
-            <a:endCxn id="36" idx="0"/>
-          </p:cNvCxnSpPr>
-          <p:nvPr/>
-        </p:nvCxnSpPr>
-        <p:spPr>
-          <a:xfrm>
-            <a:off x="5399878" y="4488007"/>
-            <a:ext cx="1" cy="3297246"/>
-          </a:xfrm>
-          <a:prstGeom prst="straightConnector1">
-            <a:avLst/>
-          </a:prstGeom>
-          <a:ln w="57150">
-            <a:tailEnd type="triangle"/>
-          </a:ln>
-        </p:spPr>
-        <p:style>
-          <a:lnRef idx="1">
-            <a:schemeClr val="dk1"/>
-          </a:lnRef>
-          <a:fillRef idx="0">
-            <a:schemeClr val="dk1"/>
-          </a:fillRef>
-          <a:effectRef idx="0">
-            <a:schemeClr val="dk1"/>
-          </a:effectRef>
-          <a:fontRef idx="minor">
-            <a:schemeClr val="tx1"/>
-          </a:fontRef>
-        </p:style>
-      </p:cxnSp>
-      <p:sp>
-        <p:nvSpPr>
-          <p:cNvPr id="27" name="Arc 26">
-            <a:extLst>
-              <a:ext uri="{FF2B5EF4-FFF2-40B4-BE49-F238E27FC236}">
-                <a16:creationId xmlns:a16="http://schemas.microsoft.com/office/drawing/2014/main" id="{CA246F51-7592-495A-8B66-A2D6CBE26335}"/>
-              </a:ext>
-            </a:extLst>
-          </p:cNvPr>
-          <p:cNvSpPr/>
-          <p:nvPr/>
-        </p:nvSpPr>
-        <p:spPr>
-          <a:xfrm rot="5400000">
-            <a:off x="1705336" y="3212903"/>
-            <a:ext cx="4639390" cy="2118325"/>
-          </a:xfrm>
-          <a:prstGeom prst="arc">
-            <a:avLst>
-              <a:gd name="adj1" fmla="val 16678524"/>
-              <a:gd name="adj2" fmla="val 0"/>
-            </a:avLst>
-          </a:prstGeom>
-          <a:ln w="57150">
-            <a:headEnd type="triangle" w="med" len="med"/>
-            <a:tailEnd type="none" w="med" len="med"/>
-          </a:ln>
-        </p:spPr>
-        <p:style>
-          <a:lnRef idx="1">
-            <a:schemeClr val="dk1"/>
-          </a:lnRef>
-          <a:fillRef idx="0">
-            <a:schemeClr val="dk1"/>
-          </a:fillRef>
-          <a:effectRef idx="0">
-            <a:schemeClr val="dk1"/>
-          </a:effectRef>
-          <a:fontRef idx="minor">
-            <a:schemeClr val="tx1"/>
-          </a:fontRef>
-        </p:style>
-        <p:txBody>
-          <a:bodyPr rtlCol="0" anchor="ctr"/>
-          <a:lstStyle/>
-          <a:p>
-            <a:pPr algn="ctr"/>
-            <a:endParaRPr lang="en-GB"/>
           </a:p>
         </p:txBody>
       </p:sp>
@@ -4469,7 +3056,7 @@
         </p:blipFill>
         <p:spPr>
           <a:xfrm>
-            <a:off x="9553303" y="-1"/>
+            <a:off x="9508480" y="80681"/>
             <a:ext cx="1173038" cy="1358769"/>
           </a:xfrm>
           <a:prstGeom prst="rect">
@@ -4491,8 +3078,8 @@
         </p:nvSpPr>
         <p:spPr>
           <a:xfrm>
-            <a:off x="182689" y="245858"/>
-            <a:ext cx="3074467" cy="2071989"/>
+            <a:off x="0" y="373068"/>
+            <a:ext cx="3475169" cy="2071989"/>
           </a:xfrm>
           <a:prstGeom prst="rect">
             <a:avLst/>
@@ -4520,94 +3107,642 @@
           <a:bodyPr rtlCol="0" anchor="ctr"/>
           <a:lstStyle/>
           <a:p>
-            <a:pPr marL="342900" indent="-342900">
-              <a:buFont typeface="Wingdings" panose="05000000000000000000" pitchFamily="2" charset="2"/>
-              <a:buChar char="ü"/>
-            </a:pPr>
-            <a:r>
-              <a:rPr lang="fr-FR" i="1" dirty="0">
+            <a:r>
+              <a:rPr lang="en-GB" dirty="0">
+                <a:solidFill>
+                  <a:srgbClr val="1A0DAB"/>
+                </a:solidFill>
                 <a:latin typeface="Century Gothic" panose="020B0502020202020204" pitchFamily="34" charset="0"/>
+                <a:ea typeface="Roboto" panose="02000000000000000000" pitchFamily="2" charset="0"/>
+              </a:rPr>
+              <a:t>😍 </a:t>
+            </a:r>
+            <a:r>
+              <a:rPr lang="fr-FR" dirty="0">
+                <a:latin typeface="Century Gothic" panose="020B0502020202020204" pitchFamily="34" charset="0"/>
+                <a:ea typeface="Roboto" panose="02000000000000000000" pitchFamily="2" charset="0"/>
               </a:rPr>
               <a:t>No </a:t>
             </a:r>
             <a:r>
-              <a:rPr lang="fr-FR" i="1" dirty="0" err="1">
+              <a:rPr lang="fr-FR" dirty="0" err="1">
                 <a:latin typeface="Century Gothic" panose="020B0502020202020204" pitchFamily="34" charset="0"/>
+                <a:ea typeface="Roboto" panose="02000000000000000000" pitchFamily="2" charset="0"/>
               </a:rPr>
               <a:t>dependencies</a:t>
             </a:r>
-            <a:endParaRPr lang="fr-FR" i="1" dirty="0">
+            <a:endParaRPr lang="fr-FR" dirty="0">
               <a:latin typeface="Century Gothic" panose="020B0502020202020204" pitchFamily="34" charset="0"/>
+              <a:ea typeface="Roboto" panose="02000000000000000000" pitchFamily="2" charset="0"/>
             </a:endParaRPr>
           </a:p>
           <a:p>
-            <a:pPr marL="342900" indent="-342900">
-              <a:buFont typeface="Wingdings" panose="05000000000000000000" pitchFamily="2" charset="2"/>
-              <a:buChar char="ü"/>
-            </a:pPr>
-            <a:r>
-              <a:rPr lang="fr-FR" i="1" dirty="0" err="1">
+            <a:r>
+              <a:rPr lang="en-GB" dirty="0">
+                <a:solidFill>
+                  <a:srgbClr val="1A0DAB"/>
+                </a:solidFill>
                 <a:latin typeface="Century Gothic" panose="020B0502020202020204" pitchFamily="34" charset="0"/>
+                <a:ea typeface="Roboto" panose="02000000000000000000" pitchFamily="2" charset="0"/>
               </a:rPr>
-              <a:t>Tidyverse-similar</a:t>
-            </a:r>
-            <a:r>
-              <a:rPr lang="fr-FR" i="1" dirty="0">
+              <a:t>😍 </a:t>
+            </a:r>
+            <a:r>
+              <a:rPr lang="fr-FR" dirty="0" err="1">
                 <a:latin typeface="Century Gothic" panose="020B0502020202020204" pitchFamily="34" charset="0"/>
+                <a:ea typeface="Roboto" panose="02000000000000000000" pitchFamily="2" charset="0"/>
+              </a:rPr>
+              <a:t>Easy</a:t>
+            </a:r>
+            <a:r>
+              <a:rPr lang="fr-FR" dirty="0">
+                <a:latin typeface="Century Gothic" panose="020B0502020202020204" pitchFamily="34" charset="0"/>
+                <a:ea typeface="Roboto" panose="02000000000000000000" pitchFamily="2" charset="0"/>
+              </a:rPr>
+              <a:t> to program </a:t>
+            </a:r>
+            <a:r>
+              <a:rPr lang="fr-FR" dirty="0" err="1">
+                <a:latin typeface="Century Gothic" panose="020B0502020202020204" pitchFamily="34" charset="0"/>
+                <a:ea typeface="Roboto" panose="02000000000000000000" pitchFamily="2" charset="0"/>
+              </a:rPr>
+              <a:t>with</a:t>
+            </a:r>
+            <a:endParaRPr lang="fr-FR" dirty="0">
+              <a:latin typeface="Century Gothic" panose="020B0502020202020204" pitchFamily="34" charset="0"/>
+              <a:ea typeface="Roboto" panose="02000000000000000000" pitchFamily="2" charset="0"/>
+            </a:endParaRPr>
+          </a:p>
+          <a:p>
+            <a:r>
+              <a:rPr lang="en-GB" dirty="0">
+                <a:solidFill>
+                  <a:srgbClr val="1A0DAB"/>
+                </a:solidFill>
+                <a:latin typeface="Century Gothic" panose="020B0502020202020204" pitchFamily="34" charset="0"/>
+                <a:ea typeface="Roboto" panose="02000000000000000000" pitchFamily="2" charset="0"/>
+              </a:rPr>
+              <a:t>😍 </a:t>
+            </a:r>
+            <a:r>
+              <a:rPr lang="fr-FR" dirty="0" err="1">
+                <a:latin typeface="Century Gothic" panose="020B0502020202020204" pitchFamily="34" charset="0"/>
+                <a:ea typeface="Roboto" panose="02000000000000000000" pitchFamily="2" charset="0"/>
+              </a:rPr>
+              <a:t>Tidyverse-friendly</a:t>
+            </a:r>
+            <a:r>
+              <a:rPr lang="fr-FR" dirty="0">
+                <a:latin typeface="Century Gothic" panose="020B0502020202020204" pitchFamily="34" charset="0"/>
+                <a:ea typeface="Roboto" panose="02000000000000000000" pitchFamily="2" charset="0"/>
               </a:rPr>
               <a:t> </a:t>
             </a:r>
             <a:r>
-              <a:rPr lang="fr-FR" i="1" dirty="0" err="1">
+              <a:rPr lang="fr-FR" dirty="0" err="1">
                 <a:latin typeface="Century Gothic" panose="020B0502020202020204" pitchFamily="34" charset="0"/>
+                <a:ea typeface="Roboto" panose="02000000000000000000" pitchFamily="2" charset="0"/>
               </a:rPr>
               <a:t>syntax</a:t>
             </a:r>
-            <a:endParaRPr lang="fr-FR" i="1" dirty="0">
+            <a:endParaRPr lang="fr-FR" dirty="0">
               <a:latin typeface="Century Gothic" panose="020B0502020202020204" pitchFamily="34" charset="0"/>
+              <a:ea typeface="Roboto" panose="02000000000000000000" pitchFamily="2" charset="0"/>
             </a:endParaRPr>
           </a:p>
           <a:p>
-            <a:pPr marL="342900" indent="-342900">
-              <a:buFont typeface="Wingdings" panose="05000000000000000000" pitchFamily="2" charset="2"/>
-              <a:buChar char="ü"/>
-            </a:pPr>
-            <a:r>
-              <a:rPr lang="fr-FR" i="1" dirty="0" err="1">
+            <a:endParaRPr lang="fr-FR" dirty="0">
+              <a:latin typeface="Century Gothic" panose="020B0502020202020204" pitchFamily="34" charset="0"/>
+              <a:ea typeface="Roboto" panose="02000000000000000000" pitchFamily="2" charset="0"/>
+            </a:endParaRPr>
+          </a:p>
+        </p:txBody>
+      </p:sp>
+      <p:pic>
+        <p:nvPicPr>
+          <p:cNvPr id="21" name="Picture 20" descr="Icon&#10;&#10;Description automatically generated">
+            <a:extLst>
+              <a:ext uri="{FF2B5EF4-FFF2-40B4-BE49-F238E27FC236}">
+                <a16:creationId xmlns:a16="http://schemas.microsoft.com/office/drawing/2014/main" id="{4BB803B6-5CDA-5A13-AB4F-D4232BFE65ED}"/>
+              </a:ext>
+            </a:extLst>
+          </p:cNvPr>
+          <p:cNvPicPr>
+            <a:picLocks noChangeAspect="1"/>
+          </p:cNvPicPr>
+          <p:nvPr/>
+        </p:nvPicPr>
+        <p:blipFill>
+          <a:blip r:embed="rId3">
+            <a:extLst>
+              <a:ext uri="{BEBA8EAE-BF5A-486C-A8C5-ECC9F3942E4B}">
+                <a14:imgProps xmlns:a14="http://schemas.microsoft.com/office/drawing/2010/main">
+                  <a14:imgLayer r:embed="rId4">
+                    <a14:imgEffect>
+                      <a14:colorTemperature colorTemp="8043"/>
+                    </a14:imgEffect>
+                    <a14:imgEffect>
+                      <a14:saturation sat="281000"/>
+                    </a14:imgEffect>
+                  </a14:imgLayer>
+                </a14:imgProps>
+              </a:ext>
+              <a:ext uri="{28A0092B-C50C-407E-A947-70E740481C1C}">
+                <a14:useLocalDpi xmlns:a14="http://schemas.microsoft.com/office/drawing/2010/main" val="0"/>
+              </a:ext>
+            </a:extLst>
+          </a:blip>
+          <a:stretch>
+            <a:fillRect/>
+          </a:stretch>
+        </p:blipFill>
+        <p:spPr>
+          <a:xfrm>
+            <a:off x="227286" y="3292101"/>
+            <a:ext cx="2677233" cy="2677233"/>
+          </a:xfrm>
+          <a:prstGeom prst="rect">
+            <a:avLst/>
+          </a:prstGeom>
+        </p:spPr>
+      </p:pic>
+      <p:pic>
+        <p:nvPicPr>
+          <p:cNvPr id="7" name="Picture 6" descr="Icon&#10;&#10;Description automatically generated">
+            <a:extLst>
+              <a:ext uri="{FF2B5EF4-FFF2-40B4-BE49-F238E27FC236}">
+                <a16:creationId xmlns:a16="http://schemas.microsoft.com/office/drawing/2014/main" id="{C1224D75-E8B3-A1ED-2F79-19D5A89F5B0E}"/>
+              </a:ext>
+            </a:extLst>
+          </p:cNvPr>
+          <p:cNvPicPr>
+            <a:picLocks noChangeAspect="1"/>
+          </p:cNvPicPr>
+          <p:nvPr/>
+        </p:nvPicPr>
+        <p:blipFill>
+          <a:blip r:embed="rId5">
+            <a:extLst>
+              <a:ext uri="{BEBA8EAE-BF5A-486C-A8C5-ECC9F3942E4B}">
+                <a14:imgProps xmlns:a14="http://schemas.microsoft.com/office/drawing/2010/main">
+                  <a14:imgLayer r:embed="rId6">
+                    <a14:imgEffect>
+                      <a14:colorTemperature colorTemp="11500"/>
+                    </a14:imgEffect>
+                    <a14:imgEffect>
+                      <a14:saturation sat="400000"/>
+                    </a14:imgEffect>
+                  </a14:imgLayer>
+                </a14:imgProps>
+              </a:ext>
+              <a:ext uri="{28A0092B-C50C-407E-A947-70E740481C1C}">
+                <a14:useLocalDpi xmlns:a14="http://schemas.microsoft.com/office/drawing/2010/main" val="0"/>
+              </a:ext>
+            </a:extLst>
+          </a:blip>
+          <a:stretch>
+            <a:fillRect/>
+          </a:stretch>
+        </p:blipFill>
+        <p:spPr>
+          <a:xfrm>
+            <a:off x="3345965" y="1635284"/>
+            <a:ext cx="4107830" cy="4107830"/>
+          </a:xfrm>
+          <a:prstGeom prst="rect">
+            <a:avLst/>
+          </a:prstGeom>
+        </p:spPr>
+      </p:pic>
+      <p:pic>
+        <p:nvPicPr>
+          <p:cNvPr id="10" name="Picture 9" descr="Icon&#10;&#10;Description automatically generated">
+            <a:extLst>
+              <a:ext uri="{FF2B5EF4-FFF2-40B4-BE49-F238E27FC236}">
+                <a16:creationId xmlns:a16="http://schemas.microsoft.com/office/drawing/2014/main" id="{0C4C7620-019D-5778-92A9-3B3063E5E4E1}"/>
+              </a:ext>
+            </a:extLst>
+          </p:cNvPr>
+          <p:cNvPicPr>
+            <a:picLocks noChangeAspect="1"/>
+          </p:cNvPicPr>
+          <p:nvPr/>
+        </p:nvPicPr>
+        <p:blipFill>
+          <a:blip r:embed="rId7">
+            <a:extLst>
+              <a:ext uri="{BEBA8EAE-BF5A-486C-A8C5-ECC9F3942E4B}">
+                <a14:imgProps xmlns:a14="http://schemas.microsoft.com/office/drawing/2010/main">
+                  <a14:imgLayer r:embed="rId8">
+                    <a14:imgEffect>
+                      <a14:colorTemperature colorTemp="4180"/>
+                    </a14:imgEffect>
+                    <a14:imgEffect>
+                      <a14:saturation sat="400000"/>
+                    </a14:imgEffect>
+                  </a14:imgLayer>
+                </a14:imgProps>
+              </a:ext>
+              <a:ext uri="{28A0092B-C50C-407E-A947-70E740481C1C}">
+                <a14:useLocalDpi xmlns:a14="http://schemas.microsoft.com/office/drawing/2010/main" val="0"/>
+              </a:ext>
+            </a:extLst>
+          </a:blip>
+          <a:stretch>
+            <a:fillRect/>
+          </a:stretch>
+        </p:blipFill>
+        <p:spPr>
+          <a:xfrm>
+            <a:off x="7738761" y="2571401"/>
+            <a:ext cx="2969742" cy="2969742"/>
+          </a:xfrm>
+          <a:prstGeom prst="rect">
+            <a:avLst/>
+          </a:prstGeom>
+        </p:spPr>
+      </p:pic>
+      <p:pic>
+        <p:nvPicPr>
+          <p:cNvPr id="17" name="Picture 16" descr="A picture containing text, coelenterate, coral&#10;&#10;Description automatically generated">
+            <a:extLst>
+              <a:ext uri="{FF2B5EF4-FFF2-40B4-BE49-F238E27FC236}">
+                <a16:creationId xmlns:a16="http://schemas.microsoft.com/office/drawing/2014/main" id="{C61DFD1F-23CB-9816-6D5B-298192A64978}"/>
+              </a:ext>
+            </a:extLst>
+          </p:cNvPr>
+          <p:cNvPicPr>
+            <a:picLocks noChangeAspect="1"/>
+          </p:cNvPicPr>
+          <p:nvPr/>
+        </p:nvPicPr>
+        <p:blipFill>
+          <a:blip r:embed="rId9">
+            <a:extLst>
+              <a:ext uri="{28A0092B-C50C-407E-A947-70E740481C1C}">
+                <a14:useLocalDpi xmlns:a14="http://schemas.microsoft.com/office/drawing/2010/main" val="0"/>
+              </a:ext>
+            </a:extLst>
+          </a:blip>
+          <a:stretch>
+            <a:fillRect/>
+          </a:stretch>
+        </p:blipFill>
+        <p:spPr>
+          <a:xfrm>
+            <a:off x="4012207" y="2445057"/>
+            <a:ext cx="2775343" cy="2775343"/>
+          </a:xfrm>
+          <a:prstGeom prst="ellipse">
+            <a:avLst/>
+          </a:prstGeom>
+        </p:spPr>
+      </p:pic>
+      <p:pic>
+        <p:nvPicPr>
+          <p:cNvPr id="26" name="Picture 25" descr="Map&#10;&#10;Description automatically generated">
+            <a:extLst>
+              <a:ext uri="{FF2B5EF4-FFF2-40B4-BE49-F238E27FC236}">
+                <a16:creationId xmlns:a16="http://schemas.microsoft.com/office/drawing/2014/main" id="{B7E443BB-C25B-C9A4-A09C-0EE9528F4F82}"/>
+              </a:ext>
+            </a:extLst>
+          </p:cNvPr>
+          <p:cNvPicPr>
+            <a:picLocks noChangeAspect="1"/>
+          </p:cNvPicPr>
+          <p:nvPr/>
+        </p:nvPicPr>
+        <p:blipFill>
+          <a:blip r:embed="rId10">
+            <a:extLst>
+              <a:ext uri="{28A0092B-C50C-407E-A947-70E740481C1C}">
+                <a14:useLocalDpi xmlns:a14="http://schemas.microsoft.com/office/drawing/2010/main" val="0"/>
+              </a:ext>
+            </a:extLst>
+          </a:blip>
+          <a:stretch>
+            <a:fillRect/>
+          </a:stretch>
+        </p:blipFill>
+        <p:spPr>
+          <a:xfrm rot="1243510">
+            <a:off x="8256304" y="3251168"/>
+            <a:ext cx="2497204" cy="2497204"/>
+          </a:xfrm>
+          <a:prstGeom prst="star5">
+            <a:avLst/>
+          </a:prstGeom>
+        </p:spPr>
+      </p:pic>
+      <p:sp>
+        <p:nvSpPr>
+          <p:cNvPr id="38" name="Rectangle 37">
+            <a:extLst>
+              <a:ext uri="{FF2B5EF4-FFF2-40B4-BE49-F238E27FC236}">
+                <a16:creationId xmlns:a16="http://schemas.microsoft.com/office/drawing/2014/main" id="{AE47B22B-708C-4651-0EFE-74DFA3500246}"/>
+              </a:ext>
+            </a:extLst>
+          </p:cNvPr>
+          <p:cNvSpPr/>
+          <p:nvPr/>
+        </p:nvSpPr>
+        <p:spPr>
+          <a:xfrm>
+            <a:off x="-171422" y="5399505"/>
+            <a:ext cx="3475169" cy="2071989"/>
+          </a:xfrm>
+          <a:prstGeom prst="rect">
+            <a:avLst/>
+          </a:prstGeom>
+          <a:noFill/>
+          <a:ln>
+            <a:noFill/>
+          </a:ln>
+        </p:spPr>
+        <p:style>
+          <a:lnRef idx="0">
+            <a:scrgbClr r="0" g="0" b="0"/>
+          </a:lnRef>
+          <a:fillRef idx="0">
+            <a:scrgbClr r="0" g="0" b="0"/>
+          </a:fillRef>
+          <a:effectRef idx="0">
+            <a:scrgbClr r="0" g="0" b="0"/>
+          </a:effectRef>
+          <a:fontRef idx="minor">
+            <a:schemeClr val="dk1"/>
+          </a:fontRef>
+        </p:style>
+        <p:txBody>
+          <a:bodyPr rtlCol="0" anchor="ctr"/>
+          <a:lstStyle/>
+          <a:p>
+            <a:pPr algn="ctr"/>
+            <a:r>
+              <a:rPr lang="fr-FR" sz="3200" b="1" dirty="0">
+                <a:solidFill>
+                  <a:schemeClr val="tx1"/>
+                </a:solidFill>
                 <a:latin typeface="Century Gothic" panose="020B0502020202020204" pitchFamily="34" charset="0"/>
+                <a:ea typeface="Roboto" panose="02000000000000000000" pitchFamily="2" charset="0"/>
               </a:rPr>
-              <a:t>Easy</a:t>
-            </a:r>
-            <a:r>
-              <a:rPr lang="fr-FR" i="1" dirty="0">
+              <a:t>Messy Data</a:t>
+            </a:r>
+          </a:p>
+          <a:p>
+            <a:pPr algn="ctr"/>
+            <a:endParaRPr lang="fr-FR" sz="3200" dirty="0">
+              <a:solidFill>
+                <a:schemeClr val="tx1"/>
+              </a:solidFill>
+              <a:latin typeface="Century Gothic" panose="020B0502020202020204" pitchFamily="34" charset="0"/>
+              <a:ea typeface="Roboto" panose="02000000000000000000" pitchFamily="2" charset="0"/>
+            </a:endParaRPr>
+          </a:p>
+        </p:txBody>
+      </p:sp>
+      <p:sp>
+        <p:nvSpPr>
+          <p:cNvPr id="39" name="Rectangle 38">
+            <a:extLst>
+              <a:ext uri="{FF2B5EF4-FFF2-40B4-BE49-F238E27FC236}">
+                <a16:creationId xmlns:a16="http://schemas.microsoft.com/office/drawing/2014/main" id="{863206F9-FE75-2723-3AA4-10595F5E61DB}"/>
+              </a:ext>
+            </a:extLst>
+          </p:cNvPr>
+          <p:cNvSpPr/>
+          <p:nvPr/>
+        </p:nvSpPr>
+        <p:spPr>
+          <a:xfrm>
+            <a:off x="3630931" y="5399505"/>
+            <a:ext cx="3525676" cy="2071989"/>
+          </a:xfrm>
+          <a:prstGeom prst="rect">
+            <a:avLst/>
+          </a:prstGeom>
+          <a:noFill/>
+          <a:ln>
+            <a:noFill/>
+          </a:ln>
+        </p:spPr>
+        <p:style>
+          <a:lnRef idx="0">
+            <a:scrgbClr r="0" g="0" b="0"/>
+          </a:lnRef>
+          <a:fillRef idx="0">
+            <a:scrgbClr r="0" g="0" b="0"/>
+          </a:fillRef>
+          <a:effectRef idx="0">
+            <a:scrgbClr r="0" g="0" b="0"/>
+          </a:effectRef>
+          <a:fontRef idx="minor">
+            <a:schemeClr val="dk1"/>
+          </a:fontRef>
+        </p:style>
+        <p:txBody>
+          <a:bodyPr rtlCol="0" anchor="ctr"/>
+          <a:lstStyle/>
+          <a:p>
+            <a:pPr algn="ctr"/>
+            <a:r>
+              <a:rPr lang="fr-FR" sz="3200" b="1" dirty="0" err="1">
+                <a:solidFill>
+                  <a:schemeClr val="tx1"/>
+                </a:solidFill>
                 <a:latin typeface="Century Gothic" panose="020B0502020202020204" pitchFamily="34" charset="0"/>
+                <a:ea typeface="Roboto" panose="02000000000000000000" pitchFamily="2" charset="0"/>
               </a:rPr>
-              <a:t> to program </a:t>
-            </a:r>
-            <a:r>
-              <a:rPr lang="fr-FR" i="1" dirty="0" err="1">
+              <a:t>Preparation</a:t>
+            </a:r>
+            <a:endParaRPr lang="fr-FR" sz="3200" b="1" dirty="0">
+              <a:solidFill>
+                <a:schemeClr val="tx1"/>
+              </a:solidFill>
+              <a:latin typeface="Century Gothic" panose="020B0502020202020204" pitchFamily="34" charset="0"/>
+              <a:ea typeface="Roboto" panose="02000000000000000000" pitchFamily="2" charset="0"/>
+            </a:endParaRPr>
+          </a:p>
+          <a:p>
+            <a:pPr algn="ctr"/>
+            <a:endParaRPr lang="fr-FR" sz="3200" dirty="0">
+              <a:solidFill>
+                <a:schemeClr val="tx1"/>
+              </a:solidFill>
+              <a:latin typeface="Century Gothic" panose="020B0502020202020204" pitchFamily="34" charset="0"/>
+              <a:ea typeface="Roboto" panose="02000000000000000000" pitchFamily="2" charset="0"/>
+            </a:endParaRPr>
+          </a:p>
+        </p:txBody>
+      </p:sp>
+      <p:sp>
+        <p:nvSpPr>
+          <p:cNvPr id="40" name="Rectangle 39">
+            <a:extLst>
+              <a:ext uri="{FF2B5EF4-FFF2-40B4-BE49-F238E27FC236}">
+                <a16:creationId xmlns:a16="http://schemas.microsoft.com/office/drawing/2014/main" id="{D790BF4E-BE1C-DDBB-9917-EB3D41F58F7E}"/>
+              </a:ext>
+            </a:extLst>
+          </p:cNvPr>
+          <p:cNvSpPr/>
+          <p:nvPr/>
+        </p:nvSpPr>
+        <p:spPr>
+          <a:xfrm>
+            <a:off x="7317001" y="5399505"/>
+            <a:ext cx="3525676" cy="2071989"/>
+          </a:xfrm>
+          <a:prstGeom prst="rect">
+            <a:avLst/>
+          </a:prstGeom>
+          <a:noFill/>
+          <a:ln>
+            <a:noFill/>
+          </a:ln>
+        </p:spPr>
+        <p:style>
+          <a:lnRef idx="0">
+            <a:scrgbClr r="0" g="0" b="0"/>
+          </a:lnRef>
+          <a:fillRef idx="0">
+            <a:scrgbClr r="0" g="0" b="0"/>
+          </a:fillRef>
+          <a:effectRef idx="0">
+            <a:scrgbClr r="0" g="0" b="0"/>
+          </a:effectRef>
+          <a:fontRef idx="minor">
+            <a:schemeClr val="dk1"/>
+          </a:fontRef>
+        </p:style>
+        <p:txBody>
+          <a:bodyPr rtlCol="0" anchor="ctr"/>
+          <a:lstStyle/>
+          <a:p>
+            <a:pPr algn="ctr"/>
+            <a:r>
+              <a:rPr lang="fr-FR" sz="3200" b="1" dirty="0">
+                <a:solidFill>
+                  <a:schemeClr val="tx1"/>
+                </a:solidFill>
                 <a:latin typeface="Century Gothic" panose="020B0502020202020204" pitchFamily="34" charset="0"/>
+                <a:ea typeface="Roboto" panose="02000000000000000000" pitchFamily="2" charset="0"/>
               </a:rPr>
-              <a:t>with</a:t>
-            </a:r>
-            <a:endParaRPr lang="fr-FR" i="1" dirty="0">
+              <a:t>Transformation</a:t>
+            </a:r>
+          </a:p>
+          <a:p>
+            <a:pPr algn="ctr"/>
+            <a:endParaRPr lang="fr-FR" sz="3200" dirty="0">
+              <a:solidFill>
+                <a:schemeClr val="tx1"/>
+              </a:solidFill>
               <a:latin typeface="Century Gothic" panose="020B0502020202020204" pitchFamily="34" charset="0"/>
+              <a:ea typeface="Roboto" panose="02000000000000000000" pitchFamily="2" charset="0"/>
             </a:endParaRPr>
           </a:p>
-          <a:p>
-            <a:pPr marL="342900" indent="-342900">
-              <a:buFont typeface="Wingdings" panose="05000000000000000000" pitchFamily="2" charset="2"/>
-              <a:buChar char="ü"/>
-            </a:pPr>
-            <a:r>
-              <a:rPr lang="fr-FR" i="1" dirty="0">
-                <a:latin typeface="Century Gothic" panose="020B0502020202020204" pitchFamily="34" charset="0"/>
-              </a:rPr>
-              <a:t>…</a:t>
-            </a:r>
-            <a:endParaRPr lang="en-GB" i="1" dirty="0">
-              <a:latin typeface="Century Gothic" panose="020B0502020202020204" pitchFamily="34" charset="0"/>
-            </a:endParaRPr>
+        </p:txBody>
+      </p:sp>
+      <p:sp>
+        <p:nvSpPr>
+          <p:cNvPr id="28" name="Arrow: Right 27">
+            <a:extLst>
+              <a:ext uri="{FF2B5EF4-FFF2-40B4-BE49-F238E27FC236}">
+                <a16:creationId xmlns:a16="http://schemas.microsoft.com/office/drawing/2014/main" id="{3C7F0ABB-E5D6-4C32-2B41-A0000BF17973}"/>
+              </a:ext>
+            </a:extLst>
+          </p:cNvPr>
+          <p:cNvSpPr/>
+          <p:nvPr/>
+        </p:nvSpPr>
+        <p:spPr>
+          <a:xfrm>
+            <a:off x="3064475" y="4077689"/>
+            <a:ext cx="570650" cy="650199"/>
+          </a:xfrm>
+          <a:prstGeom prst="rightArrow">
+            <a:avLst/>
+          </a:prstGeom>
+          <a:solidFill>
+            <a:schemeClr val="tx1"/>
+          </a:solidFill>
+          <a:ln>
+            <a:noFill/>
+          </a:ln>
+        </p:spPr>
+        <p:style>
+          <a:lnRef idx="2">
+            <a:schemeClr val="accent1">
+              <a:shade val="50000"/>
+            </a:schemeClr>
+          </a:lnRef>
+          <a:fillRef idx="1">
+            <a:schemeClr val="accent1"/>
+          </a:fillRef>
+          <a:effectRef idx="0">
+            <a:schemeClr val="accent1"/>
+          </a:effectRef>
+          <a:fontRef idx="minor">
+            <a:schemeClr val="lt1"/>
+          </a:fontRef>
+        </p:style>
+        <p:txBody>
+          <a:bodyPr rtlCol="0" anchor="ctr"/>
+          <a:lstStyle/>
+          <a:p>
+            <a:pPr algn="ctr"/>
+            <a:endParaRPr lang="en-GB"/>
+          </a:p>
+        </p:txBody>
+      </p:sp>
+      <p:sp>
+        <p:nvSpPr>
+          <p:cNvPr id="42" name="Arrow: Right 41">
+            <a:extLst>
+              <a:ext uri="{FF2B5EF4-FFF2-40B4-BE49-F238E27FC236}">
+                <a16:creationId xmlns:a16="http://schemas.microsoft.com/office/drawing/2014/main" id="{8637E969-F43E-B063-4CF7-05393D813A65}"/>
+              </a:ext>
+            </a:extLst>
+          </p:cNvPr>
+          <p:cNvSpPr/>
+          <p:nvPr/>
+        </p:nvSpPr>
+        <p:spPr>
+          <a:xfrm>
+            <a:off x="7260227" y="4077689"/>
+            <a:ext cx="570650" cy="650199"/>
+          </a:xfrm>
+          <a:prstGeom prst="rightArrow">
+            <a:avLst/>
+          </a:prstGeom>
+          <a:solidFill>
+            <a:schemeClr val="tx1"/>
+          </a:solidFill>
+          <a:ln>
+            <a:noFill/>
+          </a:ln>
+        </p:spPr>
+        <p:style>
+          <a:lnRef idx="2">
+            <a:schemeClr val="accent1">
+              <a:shade val="50000"/>
+            </a:schemeClr>
+          </a:lnRef>
+          <a:fillRef idx="1">
+            <a:schemeClr val="accent1"/>
+          </a:fillRef>
+          <a:effectRef idx="0">
+            <a:schemeClr val="accent1"/>
+          </a:effectRef>
+          <a:fontRef idx="minor">
+            <a:schemeClr val="lt1"/>
+          </a:fontRef>
+        </p:style>
+        <p:txBody>
+          <a:bodyPr rtlCol="0" anchor="ctr"/>
+          <a:lstStyle/>
+          <a:p>
+            <a:pPr algn="ctr"/>
+            <a:endParaRPr lang="en-GB"/>
           </a:p>
         </p:txBody>
       </p:sp>
